--- a/图解/图解算法.pptx
+++ b/图解/图解算法.pptx
@@ -11,6 +11,10 @@
     <p:sldId id="261" r:id="rId5"/>
     <p:sldId id="262" r:id="rId6"/>
     <p:sldId id="264" r:id="rId7"/>
+    <p:sldId id="265" r:id="rId8"/>
+    <p:sldId id="266" r:id="rId9"/>
+    <p:sldId id="267" r:id="rId10"/>
+    <p:sldId id="268" r:id="rId11"/>
   </p:sldIdLst>
   <p:sldSz cx="12192000" cy="6858000"/>
   <p:notesSz cx="6858000" cy="9144000"/>
@@ -264,7 +268,7 @@
           <a:p>
             <a:fld id="{78ADDB8F-F40C-40BF-8A13-8CA875FDEFDA}" type="datetimeFigureOut">
               <a:rPr lang="zh-CN" altLang="en-US" smtClean="0"/>
-              <a:t>2022/11/27</a:t>
+              <a:t>2022/12/4</a:t>
             </a:fld>
             <a:endParaRPr lang="zh-CN" altLang="en-US"/>
           </a:p>
@@ -462,7 +466,7 @@
           <a:p>
             <a:fld id="{78ADDB8F-F40C-40BF-8A13-8CA875FDEFDA}" type="datetimeFigureOut">
               <a:rPr lang="zh-CN" altLang="en-US" smtClean="0"/>
-              <a:t>2022/11/27</a:t>
+              <a:t>2022/12/4</a:t>
             </a:fld>
             <a:endParaRPr lang="zh-CN" altLang="en-US"/>
           </a:p>
@@ -670,7 +674,7 @@
           <a:p>
             <a:fld id="{78ADDB8F-F40C-40BF-8A13-8CA875FDEFDA}" type="datetimeFigureOut">
               <a:rPr lang="zh-CN" altLang="en-US" smtClean="0"/>
-              <a:t>2022/11/27</a:t>
+              <a:t>2022/12/4</a:t>
             </a:fld>
             <a:endParaRPr lang="zh-CN" altLang="en-US"/>
           </a:p>
@@ -868,7 +872,7 @@
           <a:p>
             <a:fld id="{78ADDB8F-F40C-40BF-8A13-8CA875FDEFDA}" type="datetimeFigureOut">
               <a:rPr lang="zh-CN" altLang="en-US" smtClean="0"/>
-              <a:t>2022/11/27</a:t>
+              <a:t>2022/12/4</a:t>
             </a:fld>
             <a:endParaRPr lang="zh-CN" altLang="en-US"/>
           </a:p>
@@ -1143,7 +1147,7 @@
           <a:p>
             <a:fld id="{78ADDB8F-F40C-40BF-8A13-8CA875FDEFDA}" type="datetimeFigureOut">
               <a:rPr lang="zh-CN" altLang="en-US" smtClean="0"/>
-              <a:t>2022/11/27</a:t>
+              <a:t>2022/12/4</a:t>
             </a:fld>
             <a:endParaRPr lang="zh-CN" altLang="en-US"/>
           </a:p>
@@ -1408,7 +1412,7 @@
           <a:p>
             <a:fld id="{78ADDB8F-F40C-40BF-8A13-8CA875FDEFDA}" type="datetimeFigureOut">
               <a:rPr lang="zh-CN" altLang="en-US" smtClean="0"/>
-              <a:t>2022/11/27</a:t>
+              <a:t>2022/12/4</a:t>
             </a:fld>
             <a:endParaRPr lang="zh-CN" altLang="en-US"/>
           </a:p>
@@ -1820,7 +1824,7 @@
           <a:p>
             <a:fld id="{78ADDB8F-F40C-40BF-8A13-8CA875FDEFDA}" type="datetimeFigureOut">
               <a:rPr lang="zh-CN" altLang="en-US" smtClean="0"/>
-              <a:t>2022/11/27</a:t>
+              <a:t>2022/12/4</a:t>
             </a:fld>
             <a:endParaRPr lang="zh-CN" altLang="en-US"/>
           </a:p>
@@ -1961,7 +1965,7 @@
           <a:p>
             <a:fld id="{78ADDB8F-F40C-40BF-8A13-8CA875FDEFDA}" type="datetimeFigureOut">
               <a:rPr lang="zh-CN" altLang="en-US" smtClean="0"/>
-              <a:t>2022/11/27</a:t>
+              <a:t>2022/12/4</a:t>
             </a:fld>
             <a:endParaRPr lang="zh-CN" altLang="en-US"/>
           </a:p>
@@ -2074,7 +2078,7 @@
           <a:p>
             <a:fld id="{78ADDB8F-F40C-40BF-8A13-8CA875FDEFDA}" type="datetimeFigureOut">
               <a:rPr lang="zh-CN" altLang="en-US" smtClean="0"/>
-              <a:t>2022/11/27</a:t>
+              <a:t>2022/12/4</a:t>
             </a:fld>
             <a:endParaRPr lang="zh-CN" altLang="en-US"/>
           </a:p>
@@ -2385,7 +2389,7 @@
           <a:p>
             <a:fld id="{78ADDB8F-F40C-40BF-8A13-8CA875FDEFDA}" type="datetimeFigureOut">
               <a:rPr lang="zh-CN" altLang="en-US" smtClean="0"/>
-              <a:t>2022/11/27</a:t>
+              <a:t>2022/12/4</a:t>
             </a:fld>
             <a:endParaRPr lang="zh-CN" altLang="en-US"/>
           </a:p>
@@ -2673,7 +2677,7 @@
           <a:p>
             <a:fld id="{78ADDB8F-F40C-40BF-8A13-8CA875FDEFDA}" type="datetimeFigureOut">
               <a:rPr lang="zh-CN" altLang="en-US" smtClean="0"/>
-              <a:t>2022/11/27</a:t>
+              <a:t>2022/12/4</a:t>
             </a:fld>
             <a:endParaRPr lang="zh-CN" altLang="en-US"/>
           </a:p>
@@ -2914,7 +2918,7 @@
           <a:p>
             <a:fld id="{78ADDB8F-F40C-40BF-8A13-8CA875FDEFDA}" type="datetimeFigureOut">
               <a:rPr lang="zh-CN" altLang="en-US" smtClean="0"/>
-              <a:t>2022/11/27</a:t>
+              <a:t>2022/12/4</a:t>
             </a:fld>
             <a:endParaRPr lang="zh-CN" altLang="en-US"/>
           </a:p>
@@ -3908,6 +3912,481 @@
 </p:sld>
 </file>
 
+<file path=ppt/slides/slide10.xml><?xml version="1.0" encoding="utf-8"?>
+<p:sld xmlns:a="http://schemas.openxmlformats.org/drawingml/2006/main" xmlns:r="http://schemas.openxmlformats.org/officeDocument/2006/relationships" xmlns:p="http://schemas.openxmlformats.org/presentationml/2006/main">
+  <p:cSld>
+    <p:spTree>
+      <p:nvGrpSpPr>
+        <p:cNvPr id="1" name=""/>
+        <p:cNvGrpSpPr/>
+        <p:nvPr/>
+      </p:nvGrpSpPr>
+      <p:grpSpPr>
+        <a:xfrm>
+          <a:off x="0" y="0"/>
+          <a:ext cx="0" cy="0"/>
+          <a:chOff x="0" y="0"/>
+          <a:chExt cx="0" cy="0"/>
+        </a:xfrm>
+      </p:grpSpPr>
+      <p:graphicFrame>
+        <p:nvGraphicFramePr>
+          <p:cNvPr id="6" name="表格 6">
+            <a:extLst>
+              <a:ext uri="{FF2B5EF4-FFF2-40B4-BE49-F238E27FC236}">
+                <a16:creationId xmlns:a16="http://schemas.microsoft.com/office/drawing/2014/main" id="{8E0CD376-1166-739C-0E27-68CA0BE872C9}"/>
+              </a:ext>
+            </a:extLst>
+          </p:cNvPr>
+          <p:cNvGraphicFramePr>
+            <a:graphicFrameLocks noGrp="1"/>
+          </p:cNvGraphicFramePr>
+          <p:nvPr/>
+        </p:nvGraphicFramePr>
+        <p:xfrm>
+          <a:off x="2396052" y="2566260"/>
+          <a:ext cx="7020000" cy="731520"/>
+        </p:xfrm>
+        <a:graphic>
+          <a:graphicData uri="http://schemas.openxmlformats.org/drawingml/2006/table">
+            <a:tbl>
+              <a:tblPr firstRow="1" bandRow="1">
+                <a:tableStyleId>{5940675A-B579-460E-94D1-54222C63F5DA}</a:tableStyleId>
+              </a:tblPr>
+              <a:tblGrid>
+                <a:gridCol w="1404000">
+                  <a:extLst>
+                    <a:ext uri="{9D8B030D-6E8A-4147-A177-3AD203B41FA5}">
+                      <a16:colId xmlns:a16="http://schemas.microsoft.com/office/drawing/2014/main" val="556024359"/>
+                    </a:ext>
+                  </a:extLst>
+                </a:gridCol>
+                <a:gridCol w="1404000">
+                  <a:extLst>
+                    <a:ext uri="{9D8B030D-6E8A-4147-A177-3AD203B41FA5}">
+                      <a16:colId xmlns:a16="http://schemas.microsoft.com/office/drawing/2014/main" val="890695953"/>
+                    </a:ext>
+                  </a:extLst>
+                </a:gridCol>
+                <a:gridCol w="1404000">
+                  <a:extLst>
+                    <a:ext uri="{9D8B030D-6E8A-4147-A177-3AD203B41FA5}">
+                      <a16:colId xmlns:a16="http://schemas.microsoft.com/office/drawing/2014/main" val="2162258664"/>
+                    </a:ext>
+                  </a:extLst>
+                </a:gridCol>
+                <a:gridCol w="1404000">
+                  <a:extLst>
+                    <a:ext uri="{9D8B030D-6E8A-4147-A177-3AD203B41FA5}">
+                      <a16:colId xmlns:a16="http://schemas.microsoft.com/office/drawing/2014/main" val="1160368706"/>
+                    </a:ext>
+                  </a:extLst>
+                </a:gridCol>
+                <a:gridCol w="1404000">
+                  <a:extLst>
+                    <a:ext uri="{9D8B030D-6E8A-4147-A177-3AD203B41FA5}">
+                      <a16:colId xmlns:a16="http://schemas.microsoft.com/office/drawing/2014/main" val="3659458570"/>
+                    </a:ext>
+                  </a:extLst>
+                </a:gridCol>
+              </a:tblGrid>
+              <a:tr h="360000">
+                <a:tc>
+                  <a:txBody>
+                    <a:bodyPr/>
+                    <a:lstStyle/>
+                    <a:p>
+                      <a:r>
+                        <a:rPr lang="en-US" altLang="zh-CN" b="1" dirty="0"/>
+                        <a:t>0</a:t>
+                      </a:r>
+                      <a:endParaRPr lang="zh-CN" altLang="en-US" b="1" dirty="0"/>
+                    </a:p>
+                  </a:txBody>
+                  <a:tcPr anchor="ctr" anchorCtr="1"/>
+                </a:tc>
+                <a:tc>
+                  <a:txBody>
+                    <a:bodyPr/>
+                    <a:lstStyle/>
+                    <a:p>
+                      <a:r>
+                        <a:rPr lang="en-US" altLang="zh-CN" b="1" dirty="0"/>
+                        <a:t>1</a:t>
+                      </a:r>
+                      <a:endParaRPr lang="zh-CN" altLang="en-US" b="1" dirty="0"/>
+                    </a:p>
+                  </a:txBody>
+                  <a:tcPr anchor="ctr" anchorCtr="1"/>
+                </a:tc>
+                <a:tc>
+                  <a:txBody>
+                    <a:bodyPr/>
+                    <a:lstStyle/>
+                    <a:p>
+                      <a:r>
+                        <a:rPr lang="en-US" altLang="zh-CN" b="1" dirty="0"/>
+                        <a:t>2</a:t>
+                      </a:r>
+                      <a:endParaRPr lang="zh-CN" altLang="en-US" b="1" dirty="0"/>
+                    </a:p>
+                  </a:txBody>
+                  <a:tcPr anchor="ctr" anchorCtr="1"/>
+                </a:tc>
+                <a:tc>
+                  <a:txBody>
+                    <a:bodyPr/>
+                    <a:lstStyle/>
+                    <a:p>
+                      <a:r>
+                        <a:rPr lang="en-US" altLang="zh-CN" b="1" dirty="0"/>
+                        <a:t>3</a:t>
+                      </a:r>
+                      <a:endParaRPr lang="zh-CN" altLang="en-US" b="1" dirty="0"/>
+                    </a:p>
+                  </a:txBody>
+                  <a:tcPr anchor="ctr" anchorCtr="1"/>
+                </a:tc>
+                <a:tc>
+                  <a:txBody>
+                    <a:bodyPr/>
+                    <a:lstStyle/>
+                    <a:p>
+                      <a:r>
+                        <a:rPr lang="en-US" altLang="zh-CN" b="1" dirty="0"/>
+                        <a:t>4</a:t>
+                      </a:r>
+                      <a:endParaRPr lang="zh-CN" altLang="en-US" b="1" dirty="0"/>
+                    </a:p>
+                  </a:txBody>
+                  <a:tcPr anchor="ctr" anchorCtr="1"/>
+                </a:tc>
+                <a:extLst>
+                  <a:ext uri="{0D108BD9-81ED-4DB2-BD59-A6C34878D82A}">
+                    <a16:rowId xmlns:a16="http://schemas.microsoft.com/office/drawing/2014/main" val="789040862"/>
+                  </a:ext>
+                </a:extLst>
+              </a:tr>
+              <a:tr h="360000">
+                <a:tc>
+                  <a:txBody>
+                    <a:bodyPr/>
+                    <a:lstStyle/>
+                    <a:p>
+                      <a:r>
+                        <a:rPr lang="en-US" altLang="zh-CN" b="1" dirty="0"/>
+                        <a:t>b</a:t>
+                      </a:r>
+                      <a:endParaRPr lang="zh-CN" altLang="en-US" b="1" dirty="0"/>
+                    </a:p>
+                  </a:txBody>
+                  <a:tcPr anchor="ctr" anchorCtr="1"/>
+                </a:tc>
+                <a:tc>
+                  <a:txBody>
+                    <a:bodyPr/>
+                    <a:lstStyle/>
+                    <a:p>
+                      <a:r>
+                        <a:rPr lang="en-US" altLang="zh-CN" b="1" dirty="0"/>
+                        <a:t>b</a:t>
+                      </a:r>
+                      <a:endParaRPr lang="zh-CN" altLang="en-US" b="1" dirty="0"/>
+                    </a:p>
+                  </a:txBody>
+                  <a:tcPr anchor="ctr" anchorCtr="1"/>
+                </a:tc>
+                <a:tc>
+                  <a:txBody>
+                    <a:bodyPr/>
+                    <a:lstStyle/>
+                    <a:p>
+                      <a:r>
+                        <a:rPr lang="en-US" altLang="zh-CN" b="1" dirty="0"/>
+                        <a:t>b</a:t>
+                      </a:r>
+                      <a:endParaRPr lang="zh-CN" altLang="en-US" b="1" dirty="0"/>
+                    </a:p>
+                  </a:txBody>
+                  <a:tcPr anchor="ctr" anchorCtr="1"/>
+                </a:tc>
+                <a:tc>
+                  <a:txBody>
+                    <a:bodyPr/>
+                    <a:lstStyle/>
+                    <a:p>
+                      <a:r>
+                        <a:rPr lang="en-US" altLang="zh-CN" b="1" dirty="0"/>
+                        <a:t>a</a:t>
+                      </a:r>
+                      <a:endParaRPr lang="zh-CN" altLang="en-US" b="1" dirty="0"/>
+                    </a:p>
+                  </a:txBody>
+                  <a:tcPr anchor="ctr" anchorCtr="1"/>
+                </a:tc>
+                <a:tc>
+                  <a:txBody>
+                    <a:bodyPr/>
+                    <a:lstStyle/>
+                    <a:p>
+                      <a:r>
+                        <a:rPr lang="en-US" altLang="zh-CN" b="1" dirty="0"/>
+                        <a:t>b</a:t>
+                      </a:r>
+                      <a:endParaRPr lang="zh-CN" altLang="en-US" b="1" dirty="0"/>
+                    </a:p>
+                  </a:txBody>
+                  <a:tcPr anchor="ctr" anchorCtr="1"/>
+                </a:tc>
+                <a:extLst>
+                  <a:ext uri="{0D108BD9-81ED-4DB2-BD59-A6C34878D82A}">
+                    <a16:rowId xmlns:a16="http://schemas.microsoft.com/office/drawing/2014/main" val="3346916950"/>
+                  </a:ext>
+                </a:extLst>
+              </a:tr>
+            </a:tbl>
+          </a:graphicData>
+        </a:graphic>
+      </p:graphicFrame>
+      <p:sp>
+        <p:nvSpPr>
+          <p:cNvPr id="8" name="文本框 7">
+            <a:extLst>
+              <a:ext uri="{FF2B5EF4-FFF2-40B4-BE49-F238E27FC236}">
+                <a16:creationId xmlns:a16="http://schemas.microsoft.com/office/drawing/2014/main" id="{FE41CDF3-2355-51FF-6FDF-6CAD97B742C6}"/>
+              </a:ext>
+            </a:extLst>
+          </p:cNvPr>
+          <p:cNvSpPr txBox="1"/>
+          <p:nvPr/>
+        </p:nvSpPr>
+        <p:spPr>
+          <a:xfrm>
+            <a:off x="1580322" y="2928448"/>
+            <a:ext cx="498976" cy="369332"/>
+          </a:xfrm>
+          <a:prstGeom prst="rect">
+            <a:avLst/>
+          </a:prstGeom>
+          <a:noFill/>
+        </p:spPr>
+        <p:txBody>
+          <a:bodyPr wrap="square" rtlCol="0">
+            <a:spAutoFit/>
+          </a:bodyPr>
+          <a:lstStyle/>
+          <a:p>
+            <a:r>
+              <a:rPr lang="en-US" altLang="zh-CN" dirty="0"/>
+              <a:t>s</a:t>
+            </a:r>
+            <a:endParaRPr lang="zh-CN" altLang="en-US" dirty="0"/>
+          </a:p>
+        </p:txBody>
+      </p:sp>
+      <p:cxnSp>
+        <p:nvCxnSpPr>
+          <p:cNvPr id="13" name="直接箭头连接符 12">
+            <a:extLst>
+              <a:ext uri="{FF2B5EF4-FFF2-40B4-BE49-F238E27FC236}">
+                <a16:creationId xmlns:a16="http://schemas.microsoft.com/office/drawing/2014/main" id="{765F443C-5DCD-35E0-EAFB-A6163109BB73}"/>
+              </a:ext>
+            </a:extLst>
+          </p:cNvPr>
+          <p:cNvCxnSpPr>
+            <a:cxnSpLocks/>
+          </p:cNvCxnSpPr>
+          <p:nvPr/>
+        </p:nvCxnSpPr>
+        <p:spPr>
+          <a:xfrm flipV="1">
+            <a:off x="5892629" y="3415065"/>
+            <a:ext cx="0" cy="506214"/>
+          </a:xfrm>
+          <a:prstGeom prst="straightConnector1">
+            <a:avLst/>
+          </a:prstGeom>
+          <a:ln w="73025">
+            <a:tailEnd type="triangle"/>
+          </a:ln>
+        </p:spPr>
+        <p:style>
+          <a:lnRef idx="1">
+            <a:schemeClr val="accent1"/>
+          </a:lnRef>
+          <a:fillRef idx="0">
+            <a:schemeClr val="accent1"/>
+          </a:fillRef>
+          <a:effectRef idx="0">
+            <a:schemeClr val="accent1"/>
+          </a:effectRef>
+          <a:fontRef idx="minor">
+            <a:schemeClr val="tx1"/>
+          </a:fontRef>
+        </p:style>
+      </p:cxnSp>
+      <p:sp>
+        <p:nvSpPr>
+          <p:cNvPr id="18" name="文本框 17">
+            <a:extLst>
+              <a:ext uri="{FF2B5EF4-FFF2-40B4-BE49-F238E27FC236}">
+                <a16:creationId xmlns:a16="http://schemas.microsoft.com/office/drawing/2014/main" id="{C46FB775-7FF1-E0BC-8BB7-470C67B45127}"/>
+              </a:ext>
+            </a:extLst>
+          </p:cNvPr>
+          <p:cNvSpPr txBox="1"/>
+          <p:nvPr/>
+        </p:nvSpPr>
+        <p:spPr>
+          <a:xfrm>
+            <a:off x="5277081" y="3632764"/>
+            <a:ext cx="636713" cy="369332"/>
+          </a:xfrm>
+          <a:prstGeom prst="rect">
+            <a:avLst/>
+          </a:prstGeom>
+          <a:noFill/>
+        </p:spPr>
+        <p:txBody>
+          <a:bodyPr wrap="none" rtlCol="0">
+            <a:spAutoFit/>
+          </a:bodyPr>
+          <a:lstStyle/>
+          <a:p>
+            <a:r>
+              <a:rPr lang="en-US" altLang="zh-CN" dirty="0"/>
+              <a:t>i = 2</a:t>
+            </a:r>
+            <a:endParaRPr lang="zh-CN" altLang="en-US" dirty="0"/>
+          </a:p>
+        </p:txBody>
+      </p:sp>
+      <p:sp>
+        <p:nvSpPr>
+          <p:cNvPr id="28" name="文本框 27">
+            <a:extLst>
+              <a:ext uri="{FF2B5EF4-FFF2-40B4-BE49-F238E27FC236}">
+                <a16:creationId xmlns:a16="http://schemas.microsoft.com/office/drawing/2014/main" id="{69C5D9E0-02DD-8023-51F8-981603C9EB7C}"/>
+              </a:ext>
+            </a:extLst>
+          </p:cNvPr>
+          <p:cNvSpPr txBox="1"/>
+          <p:nvPr/>
+        </p:nvSpPr>
+        <p:spPr>
+          <a:xfrm>
+            <a:off x="2494960" y="2032480"/>
+            <a:ext cx="1319592" cy="369332"/>
+          </a:xfrm>
+          <a:prstGeom prst="rect">
+            <a:avLst/>
+          </a:prstGeom>
+          <a:noFill/>
+        </p:spPr>
+        <p:txBody>
+          <a:bodyPr wrap="none" rtlCol="0">
+            <a:spAutoFit/>
+          </a:bodyPr>
+          <a:lstStyle/>
+          <a:p>
+            <a:r>
+              <a:rPr lang="en-US" altLang="zh-CN" dirty="0"/>
+              <a:t>s[1] == s[2]</a:t>
+            </a:r>
+            <a:endParaRPr lang="zh-CN" altLang="en-US" dirty="0"/>
+          </a:p>
+        </p:txBody>
+      </p:sp>
+      <p:cxnSp>
+        <p:nvCxnSpPr>
+          <p:cNvPr id="2" name="直接箭头连接符 1">
+            <a:extLst>
+              <a:ext uri="{FF2B5EF4-FFF2-40B4-BE49-F238E27FC236}">
+                <a16:creationId xmlns:a16="http://schemas.microsoft.com/office/drawing/2014/main" id="{0BBA1A57-D22A-5553-3554-A4E141D4FB51}"/>
+              </a:ext>
+            </a:extLst>
+          </p:cNvPr>
+          <p:cNvCxnSpPr>
+            <a:cxnSpLocks/>
+          </p:cNvCxnSpPr>
+          <p:nvPr/>
+        </p:nvCxnSpPr>
+        <p:spPr>
+          <a:xfrm flipV="1">
+            <a:off x="4484603" y="3348807"/>
+            <a:ext cx="0" cy="506214"/>
+          </a:xfrm>
+          <a:prstGeom prst="straightConnector1">
+            <a:avLst/>
+          </a:prstGeom>
+          <a:ln w="73025">
+            <a:tailEnd type="triangle"/>
+          </a:ln>
+        </p:spPr>
+        <p:style>
+          <a:lnRef idx="1">
+            <a:schemeClr val="accent1"/>
+          </a:lnRef>
+          <a:fillRef idx="0">
+            <a:schemeClr val="accent1"/>
+          </a:fillRef>
+          <a:effectRef idx="0">
+            <a:schemeClr val="accent1"/>
+          </a:effectRef>
+          <a:fontRef idx="minor">
+            <a:schemeClr val="tx1"/>
+          </a:fontRef>
+        </p:style>
+      </p:cxnSp>
+      <p:sp>
+        <p:nvSpPr>
+          <p:cNvPr id="3" name="文本框 2">
+            <a:extLst>
+              <a:ext uri="{FF2B5EF4-FFF2-40B4-BE49-F238E27FC236}">
+                <a16:creationId xmlns:a16="http://schemas.microsoft.com/office/drawing/2014/main" id="{F59E469F-A332-6097-BA41-637C6A38700C}"/>
+              </a:ext>
+            </a:extLst>
+          </p:cNvPr>
+          <p:cNvSpPr txBox="1"/>
+          <p:nvPr/>
+        </p:nvSpPr>
+        <p:spPr>
+          <a:xfrm>
+            <a:off x="3869055" y="3566506"/>
+            <a:ext cx="636713" cy="369332"/>
+          </a:xfrm>
+          <a:prstGeom prst="rect">
+            <a:avLst/>
+          </a:prstGeom>
+          <a:noFill/>
+        </p:spPr>
+        <p:txBody>
+          <a:bodyPr wrap="none" rtlCol="0">
+            <a:spAutoFit/>
+          </a:bodyPr>
+          <a:lstStyle/>
+          <a:p>
+            <a:r>
+              <a:rPr lang="en-US" altLang="zh-CN" dirty="0"/>
+              <a:t>j = 1</a:t>
+            </a:r>
+            <a:endParaRPr lang="zh-CN" altLang="en-US" dirty="0"/>
+          </a:p>
+        </p:txBody>
+      </p:sp>
+    </p:spTree>
+    <p:extLst>
+      <p:ext uri="{BB962C8B-B14F-4D97-AF65-F5344CB8AC3E}">
+        <p14:creationId xmlns:p14="http://schemas.microsoft.com/office/powerpoint/2010/main" val="3171294229"/>
+      </p:ext>
+    </p:extLst>
+  </p:cSld>
+  <p:clrMapOvr>
+    <a:masterClrMapping/>
+  </p:clrMapOvr>
+</p:sld>
+</file>
+
 <file path=ppt/slides/slide2.xml><?xml version="1.0" encoding="utf-8"?>
 <p:sld xmlns:a="http://schemas.openxmlformats.org/drawingml/2006/main" xmlns:r="http://schemas.openxmlformats.org/officeDocument/2006/relationships" xmlns:p="http://schemas.openxmlformats.org/presentationml/2006/main">
   <p:cSld>
@@ -9140,6 +9619,1437 @@
     <p:extLst>
       <p:ext uri="{BB962C8B-B14F-4D97-AF65-F5344CB8AC3E}">
         <p14:creationId xmlns:p14="http://schemas.microsoft.com/office/powerpoint/2010/main" val="323193710"/>
+      </p:ext>
+    </p:extLst>
+  </p:cSld>
+  <p:clrMapOvr>
+    <a:masterClrMapping/>
+  </p:clrMapOvr>
+</p:sld>
+</file>
+
+<file path=ppt/slides/slide7.xml><?xml version="1.0" encoding="utf-8"?>
+<p:sld xmlns:a="http://schemas.openxmlformats.org/drawingml/2006/main" xmlns:r="http://schemas.openxmlformats.org/officeDocument/2006/relationships" xmlns:p="http://schemas.openxmlformats.org/presentationml/2006/main">
+  <p:cSld>
+    <p:spTree>
+      <p:nvGrpSpPr>
+        <p:cNvPr id="1" name=""/>
+        <p:cNvGrpSpPr/>
+        <p:nvPr/>
+      </p:nvGrpSpPr>
+      <p:grpSpPr>
+        <a:xfrm>
+          <a:off x="0" y="0"/>
+          <a:ext cx="0" cy="0"/>
+          <a:chOff x="0" y="0"/>
+          <a:chExt cx="0" cy="0"/>
+        </a:xfrm>
+      </p:grpSpPr>
+      <p:graphicFrame>
+        <p:nvGraphicFramePr>
+          <p:cNvPr id="6" name="表格 6">
+            <a:extLst>
+              <a:ext uri="{FF2B5EF4-FFF2-40B4-BE49-F238E27FC236}">
+                <a16:creationId xmlns:a16="http://schemas.microsoft.com/office/drawing/2014/main" id="{8E0CD376-1166-739C-0E27-68CA0BE872C9}"/>
+              </a:ext>
+            </a:extLst>
+          </p:cNvPr>
+          <p:cNvGraphicFramePr>
+            <a:graphicFrameLocks noGrp="1"/>
+          </p:cNvGraphicFramePr>
+          <p:nvPr>
+            <p:extLst>
+              <p:ext uri="{D42A27DB-BD31-4B8C-83A1-F6EECF244321}">
+                <p14:modId xmlns:p14="http://schemas.microsoft.com/office/powerpoint/2010/main" val="1237289856"/>
+              </p:ext>
+            </p:extLst>
+          </p:nvPr>
+        </p:nvGraphicFramePr>
+        <p:xfrm>
+          <a:off x="2396052" y="2566260"/>
+          <a:ext cx="7020000" cy="731520"/>
+        </p:xfrm>
+        <a:graphic>
+          <a:graphicData uri="http://schemas.openxmlformats.org/drawingml/2006/table">
+            <a:tbl>
+              <a:tblPr firstRow="1" bandRow="1">
+                <a:tableStyleId>{5940675A-B579-460E-94D1-54222C63F5DA}</a:tableStyleId>
+              </a:tblPr>
+              <a:tblGrid>
+                <a:gridCol w="1404000">
+                  <a:extLst>
+                    <a:ext uri="{9D8B030D-6E8A-4147-A177-3AD203B41FA5}">
+                      <a16:colId xmlns:a16="http://schemas.microsoft.com/office/drawing/2014/main" val="556024359"/>
+                    </a:ext>
+                  </a:extLst>
+                </a:gridCol>
+                <a:gridCol w="1404000">
+                  <a:extLst>
+                    <a:ext uri="{9D8B030D-6E8A-4147-A177-3AD203B41FA5}">
+                      <a16:colId xmlns:a16="http://schemas.microsoft.com/office/drawing/2014/main" val="890695953"/>
+                    </a:ext>
+                  </a:extLst>
+                </a:gridCol>
+                <a:gridCol w="1404000">
+                  <a:extLst>
+                    <a:ext uri="{9D8B030D-6E8A-4147-A177-3AD203B41FA5}">
+                      <a16:colId xmlns:a16="http://schemas.microsoft.com/office/drawing/2014/main" val="2162258664"/>
+                    </a:ext>
+                  </a:extLst>
+                </a:gridCol>
+                <a:gridCol w="1404000">
+                  <a:extLst>
+                    <a:ext uri="{9D8B030D-6E8A-4147-A177-3AD203B41FA5}">
+                      <a16:colId xmlns:a16="http://schemas.microsoft.com/office/drawing/2014/main" val="1160368706"/>
+                    </a:ext>
+                  </a:extLst>
+                </a:gridCol>
+                <a:gridCol w="1404000">
+                  <a:extLst>
+                    <a:ext uri="{9D8B030D-6E8A-4147-A177-3AD203B41FA5}">
+                      <a16:colId xmlns:a16="http://schemas.microsoft.com/office/drawing/2014/main" val="3659458570"/>
+                    </a:ext>
+                  </a:extLst>
+                </a:gridCol>
+              </a:tblGrid>
+              <a:tr h="360000">
+                <a:tc>
+                  <a:txBody>
+                    <a:bodyPr/>
+                    <a:lstStyle/>
+                    <a:p>
+                      <a:r>
+                        <a:rPr lang="en-US" altLang="zh-CN" b="1" dirty="0"/>
+                        <a:t>0</a:t>
+                      </a:r>
+                      <a:endParaRPr lang="zh-CN" altLang="en-US" b="1" dirty="0"/>
+                    </a:p>
+                  </a:txBody>
+                  <a:tcPr anchor="ctr" anchorCtr="1"/>
+                </a:tc>
+                <a:tc>
+                  <a:txBody>
+                    <a:bodyPr/>
+                    <a:lstStyle/>
+                    <a:p>
+                      <a:r>
+                        <a:rPr lang="en-US" altLang="zh-CN" b="1" dirty="0"/>
+                        <a:t>1</a:t>
+                      </a:r>
+                      <a:endParaRPr lang="zh-CN" altLang="en-US" b="1" dirty="0"/>
+                    </a:p>
+                  </a:txBody>
+                  <a:tcPr anchor="ctr" anchorCtr="1"/>
+                </a:tc>
+                <a:tc>
+                  <a:txBody>
+                    <a:bodyPr/>
+                    <a:lstStyle/>
+                    <a:p>
+                      <a:r>
+                        <a:rPr lang="en-US" altLang="zh-CN" b="1" dirty="0"/>
+                        <a:t>2</a:t>
+                      </a:r>
+                      <a:endParaRPr lang="zh-CN" altLang="en-US" b="1" dirty="0"/>
+                    </a:p>
+                  </a:txBody>
+                  <a:tcPr anchor="ctr" anchorCtr="1"/>
+                </a:tc>
+                <a:tc>
+                  <a:txBody>
+                    <a:bodyPr/>
+                    <a:lstStyle/>
+                    <a:p>
+                      <a:r>
+                        <a:rPr lang="en-US" altLang="zh-CN" b="1" dirty="0"/>
+                        <a:t>3</a:t>
+                      </a:r>
+                      <a:endParaRPr lang="zh-CN" altLang="en-US" b="1" dirty="0"/>
+                    </a:p>
+                  </a:txBody>
+                  <a:tcPr anchor="ctr" anchorCtr="1"/>
+                </a:tc>
+                <a:tc>
+                  <a:txBody>
+                    <a:bodyPr/>
+                    <a:lstStyle/>
+                    <a:p>
+                      <a:r>
+                        <a:rPr lang="en-US" altLang="zh-CN" b="1" dirty="0"/>
+                        <a:t>4</a:t>
+                      </a:r>
+                      <a:endParaRPr lang="zh-CN" altLang="en-US" b="1" dirty="0"/>
+                    </a:p>
+                  </a:txBody>
+                  <a:tcPr anchor="ctr" anchorCtr="1"/>
+                </a:tc>
+                <a:extLst>
+                  <a:ext uri="{0D108BD9-81ED-4DB2-BD59-A6C34878D82A}">
+                    <a16:rowId xmlns:a16="http://schemas.microsoft.com/office/drawing/2014/main" val="789040862"/>
+                  </a:ext>
+                </a:extLst>
+              </a:tr>
+              <a:tr h="360000">
+                <a:tc>
+                  <a:txBody>
+                    <a:bodyPr/>
+                    <a:lstStyle/>
+                    <a:p>
+                      <a:r>
+                        <a:rPr lang="en-US" altLang="zh-CN" b="1" dirty="0"/>
+                        <a:t>b</a:t>
+                      </a:r>
+                      <a:endParaRPr lang="zh-CN" altLang="en-US" b="1" dirty="0"/>
+                    </a:p>
+                  </a:txBody>
+                  <a:tcPr anchor="ctr" anchorCtr="1"/>
+                </a:tc>
+                <a:tc>
+                  <a:txBody>
+                    <a:bodyPr/>
+                    <a:lstStyle/>
+                    <a:p>
+                      <a:r>
+                        <a:rPr lang="en-US" altLang="zh-CN" b="1" dirty="0"/>
+                        <a:t>b</a:t>
+                      </a:r>
+                      <a:endParaRPr lang="zh-CN" altLang="en-US" b="1" dirty="0"/>
+                    </a:p>
+                  </a:txBody>
+                  <a:tcPr anchor="ctr" anchorCtr="1"/>
+                </a:tc>
+                <a:tc>
+                  <a:txBody>
+                    <a:bodyPr/>
+                    <a:lstStyle/>
+                    <a:p>
+                      <a:r>
+                        <a:rPr lang="en-US" altLang="zh-CN" b="1" dirty="0"/>
+                        <a:t>b</a:t>
+                      </a:r>
+                      <a:endParaRPr lang="zh-CN" altLang="en-US" b="1" dirty="0"/>
+                    </a:p>
+                  </a:txBody>
+                  <a:tcPr anchor="ctr" anchorCtr="1"/>
+                </a:tc>
+                <a:tc>
+                  <a:txBody>
+                    <a:bodyPr/>
+                    <a:lstStyle/>
+                    <a:p>
+                      <a:r>
+                        <a:rPr lang="en-US" altLang="zh-CN" b="1" dirty="0"/>
+                        <a:t>a</a:t>
+                      </a:r>
+                      <a:endParaRPr lang="zh-CN" altLang="en-US" b="1" dirty="0"/>
+                    </a:p>
+                  </a:txBody>
+                  <a:tcPr anchor="ctr" anchorCtr="1"/>
+                </a:tc>
+                <a:tc>
+                  <a:txBody>
+                    <a:bodyPr/>
+                    <a:lstStyle/>
+                    <a:p>
+                      <a:r>
+                        <a:rPr lang="en-US" altLang="zh-CN" b="1" dirty="0"/>
+                        <a:t>b</a:t>
+                      </a:r>
+                      <a:endParaRPr lang="zh-CN" altLang="en-US" b="1" dirty="0"/>
+                    </a:p>
+                  </a:txBody>
+                  <a:tcPr anchor="ctr" anchorCtr="1"/>
+                </a:tc>
+                <a:extLst>
+                  <a:ext uri="{0D108BD9-81ED-4DB2-BD59-A6C34878D82A}">
+                    <a16:rowId xmlns:a16="http://schemas.microsoft.com/office/drawing/2014/main" val="3346916950"/>
+                  </a:ext>
+                </a:extLst>
+              </a:tr>
+            </a:tbl>
+          </a:graphicData>
+        </a:graphic>
+      </p:graphicFrame>
+      <p:sp>
+        <p:nvSpPr>
+          <p:cNvPr id="8" name="文本框 7">
+            <a:extLst>
+              <a:ext uri="{FF2B5EF4-FFF2-40B4-BE49-F238E27FC236}">
+                <a16:creationId xmlns:a16="http://schemas.microsoft.com/office/drawing/2014/main" id="{FE41CDF3-2355-51FF-6FDF-6CAD97B742C6}"/>
+              </a:ext>
+            </a:extLst>
+          </p:cNvPr>
+          <p:cNvSpPr txBox="1"/>
+          <p:nvPr/>
+        </p:nvSpPr>
+        <p:spPr>
+          <a:xfrm>
+            <a:off x="1580322" y="2928448"/>
+            <a:ext cx="498976" cy="369332"/>
+          </a:xfrm>
+          <a:prstGeom prst="rect">
+            <a:avLst/>
+          </a:prstGeom>
+          <a:noFill/>
+        </p:spPr>
+        <p:txBody>
+          <a:bodyPr wrap="square" rtlCol="0">
+            <a:spAutoFit/>
+          </a:bodyPr>
+          <a:lstStyle/>
+          <a:p>
+            <a:r>
+              <a:rPr lang="en-US" altLang="zh-CN" dirty="0"/>
+              <a:t>s</a:t>
+            </a:r>
+            <a:endParaRPr lang="zh-CN" altLang="en-US" dirty="0"/>
+          </a:p>
+        </p:txBody>
+      </p:sp>
+      <p:cxnSp>
+        <p:nvCxnSpPr>
+          <p:cNvPr id="13" name="直接箭头连接符 12">
+            <a:extLst>
+              <a:ext uri="{FF2B5EF4-FFF2-40B4-BE49-F238E27FC236}">
+                <a16:creationId xmlns:a16="http://schemas.microsoft.com/office/drawing/2014/main" id="{765F443C-5DCD-35E0-EAFB-A6163109BB73}"/>
+              </a:ext>
+            </a:extLst>
+          </p:cNvPr>
+          <p:cNvCxnSpPr>
+            <a:cxnSpLocks/>
+          </p:cNvCxnSpPr>
+          <p:nvPr/>
+        </p:nvCxnSpPr>
+        <p:spPr>
+          <a:xfrm flipV="1">
+            <a:off x="8794856" y="3415065"/>
+            <a:ext cx="0" cy="506214"/>
+          </a:xfrm>
+          <a:prstGeom prst="straightConnector1">
+            <a:avLst/>
+          </a:prstGeom>
+          <a:ln w="73025">
+            <a:tailEnd type="triangle"/>
+          </a:ln>
+        </p:spPr>
+        <p:style>
+          <a:lnRef idx="1">
+            <a:schemeClr val="accent1"/>
+          </a:lnRef>
+          <a:fillRef idx="0">
+            <a:schemeClr val="accent1"/>
+          </a:fillRef>
+          <a:effectRef idx="0">
+            <a:schemeClr val="accent1"/>
+          </a:effectRef>
+          <a:fontRef idx="minor">
+            <a:schemeClr val="tx1"/>
+          </a:fontRef>
+        </p:style>
+      </p:cxnSp>
+      <p:sp>
+        <p:nvSpPr>
+          <p:cNvPr id="18" name="文本框 17">
+            <a:extLst>
+              <a:ext uri="{FF2B5EF4-FFF2-40B4-BE49-F238E27FC236}">
+                <a16:creationId xmlns:a16="http://schemas.microsoft.com/office/drawing/2014/main" id="{C46FB775-7FF1-E0BC-8BB7-470C67B45127}"/>
+              </a:ext>
+            </a:extLst>
+          </p:cNvPr>
+          <p:cNvSpPr txBox="1"/>
+          <p:nvPr/>
+        </p:nvSpPr>
+        <p:spPr>
+          <a:xfrm>
+            <a:off x="8179308" y="3632764"/>
+            <a:ext cx="636713" cy="369332"/>
+          </a:xfrm>
+          <a:prstGeom prst="rect">
+            <a:avLst/>
+          </a:prstGeom>
+          <a:noFill/>
+        </p:spPr>
+        <p:txBody>
+          <a:bodyPr wrap="none" rtlCol="0">
+            <a:spAutoFit/>
+          </a:bodyPr>
+          <a:lstStyle/>
+          <a:p>
+            <a:r>
+              <a:rPr lang="en-US" altLang="zh-CN" dirty="0"/>
+              <a:t>j = 4</a:t>
+            </a:r>
+            <a:endParaRPr lang="zh-CN" altLang="en-US" dirty="0"/>
+          </a:p>
+        </p:txBody>
+      </p:sp>
+      <p:sp>
+        <p:nvSpPr>
+          <p:cNvPr id="28" name="文本框 27">
+            <a:extLst>
+              <a:ext uri="{FF2B5EF4-FFF2-40B4-BE49-F238E27FC236}">
+                <a16:creationId xmlns:a16="http://schemas.microsoft.com/office/drawing/2014/main" id="{69C5D9E0-02DD-8023-51F8-981603C9EB7C}"/>
+              </a:ext>
+            </a:extLst>
+          </p:cNvPr>
+          <p:cNvSpPr txBox="1"/>
+          <p:nvPr/>
+        </p:nvSpPr>
+        <p:spPr>
+          <a:xfrm>
+            <a:off x="2494960" y="2032480"/>
+            <a:ext cx="1249060" cy="369332"/>
+          </a:xfrm>
+          <a:prstGeom prst="rect">
+            <a:avLst/>
+          </a:prstGeom>
+          <a:noFill/>
+        </p:spPr>
+        <p:txBody>
+          <a:bodyPr wrap="none" rtlCol="0">
+            <a:spAutoFit/>
+          </a:bodyPr>
+          <a:lstStyle/>
+          <a:p>
+            <a:r>
+              <a:rPr lang="en-US" altLang="zh-CN" dirty="0"/>
+              <a:t>s[0] == s[j]</a:t>
+            </a:r>
+            <a:endParaRPr lang="zh-CN" altLang="en-US" dirty="0"/>
+          </a:p>
+        </p:txBody>
+      </p:sp>
+      <p:cxnSp>
+        <p:nvCxnSpPr>
+          <p:cNvPr id="2" name="直接箭头连接符 1">
+            <a:extLst>
+              <a:ext uri="{FF2B5EF4-FFF2-40B4-BE49-F238E27FC236}">
+                <a16:creationId xmlns:a16="http://schemas.microsoft.com/office/drawing/2014/main" id="{0BBA1A57-D22A-5553-3554-A4E141D4FB51}"/>
+              </a:ext>
+            </a:extLst>
+          </p:cNvPr>
+          <p:cNvCxnSpPr>
+            <a:cxnSpLocks/>
+          </p:cNvCxnSpPr>
+          <p:nvPr/>
+        </p:nvCxnSpPr>
+        <p:spPr>
+          <a:xfrm flipV="1">
+            <a:off x="3093122" y="3348807"/>
+            <a:ext cx="0" cy="506214"/>
+          </a:xfrm>
+          <a:prstGeom prst="straightConnector1">
+            <a:avLst/>
+          </a:prstGeom>
+          <a:ln w="73025">
+            <a:tailEnd type="triangle"/>
+          </a:ln>
+        </p:spPr>
+        <p:style>
+          <a:lnRef idx="1">
+            <a:schemeClr val="accent1"/>
+          </a:lnRef>
+          <a:fillRef idx="0">
+            <a:schemeClr val="accent1"/>
+          </a:fillRef>
+          <a:effectRef idx="0">
+            <a:schemeClr val="accent1"/>
+          </a:effectRef>
+          <a:fontRef idx="minor">
+            <a:schemeClr val="tx1"/>
+          </a:fontRef>
+        </p:style>
+      </p:cxnSp>
+      <p:sp>
+        <p:nvSpPr>
+          <p:cNvPr id="3" name="文本框 2">
+            <a:extLst>
+              <a:ext uri="{FF2B5EF4-FFF2-40B4-BE49-F238E27FC236}">
+                <a16:creationId xmlns:a16="http://schemas.microsoft.com/office/drawing/2014/main" id="{F59E469F-A332-6097-BA41-637C6A38700C}"/>
+              </a:ext>
+            </a:extLst>
+          </p:cNvPr>
+          <p:cNvSpPr txBox="1"/>
+          <p:nvPr/>
+        </p:nvSpPr>
+        <p:spPr>
+          <a:xfrm>
+            <a:off x="2477574" y="3566506"/>
+            <a:ext cx="636713" cy="369332"/>
+          </a:xfrm>
+          <a:prstGeom prst="rect">
+            <a:avLst/>
+          </a:prstGeom>
+          <a:noFill/>
+        </p:spPr>
+        <p:txBody>
+          <a:bodyPr wrap="none" rtlCol="0">
+            <a:spAutoFit/>
+          </a:bodyPr>
+          <a:lstStyle/>
+          <a:p>
+            <a:r>
+              <a:rPr lang="en-US" altLang="zh-CN" dirty="0"/>
+              <a:t>i = 0</a:t>
+            </a:r>
+            <a:endParaRPr lang="zh-CN" altLang="en-US" dirty="0"/>
+          </a:p>
+        </p:txBody>
+      </p:sp>
+    </p:spTree>
+    <p:extLst>
+      <p:ext uri="{BB962C8B-B14F-4D97-AF65-F5344CB8AC3E}">
+        <p14:creationId xmlns:p14="http://schemas.microsoft.com/office/powerpoint/2010/main" val="1573060044"/>
+      </p:ext>
+    </p:extLst>
+  </p:cSld>
+  <p:clrMapOvr>
+    <a:masterClrMapping/>
+  </p:clrMapOvr>
+</p:sld>
+</file>
+
+<file path=ppt/slides/slide8.xml><?xml version="1.0" encoding="utf-8"?>
+<p:sld xmlns:a="http://schemas.openxmlformats.org/drawingml/2006/main" xmlns:r="http://schemas.openxmlformats.org/officeDocument/2006/relationships" xmlns:p="http://schemas.openxmlformats.org/presentationml/2006/main">
+  <p:cSld>
+    <p:spTree>
+      <p:nvGrpSpPr>
+        <p:cNvPr id="1" name=""/>
+        <p:cNvGrpSpPr/>
+        <p:nvPr/>
+      </p:nvGrpSpPr>
+      <p:grpSpPr>
+        <a:xfrm>
+          <a:off x="0" y="0"/>
+          <a:ext cx="0" cy="0"/>
+          <a:chOff x="0" y="0"/>
+          <a:chExt cx="0" cy="0"/>
+        </a:xfrm>
+      </p:grpSpPr>
+      <p:graphicFrame>
+        <p:nvGraphicFramePr>
+          <p:cNvPr id="6" name="表格 6">
+            <a:extLst>
+              <a:ext uri="{FF2B5EF4-FFF2-40B4-BE49-F238E27FC236}">
+                <a16:creationId xmlns:a16="http://schemas.microsoft.com/office/drawing/2014/main" id="{8E0CD376-1166-739C-0E27-68CA0BE872C9}"/>
+              </a:ext>
+            </a:extLst>
+          </p:cNvPr>
+          <p:cNvGraphicFramePr>
+            <a:graphicFrameLocks noGrp="1"/>
+          </p:cNvGraphicFramePr>
+          <p:nvPr/>
+        </p:nvGraphicFramePr>
+        <p:xfrm>
+          <a:off x="2396052" y="2566260"/>
+          <a:ext cx="7020000" cy="731520"/>
+        </p:xfrm>
+        <a:graphic>
+          <a:graphicData uri="http://schemas.openxmlformats.org/drawingml/2006/table">
+            <a:tbl>
+              <a:tblPr firstRow="1" bandRow="1">
+                <a:tableStyleId>{5940675A-B579-460E-94D1-54222C63F5DA}</a:tableStyleId>
+              </a:tblPr>
+              <a:tblGrid>
+                <a:gridCol w="1404000">
+                  <a:extLst>
+                    <a:ext uri="{9D8B030D-6E8A-4147-A177-3AD203B41FA5}">
+                      <a16:colId xmlns:a16="http://schemas.microsoft.com/office/drawing/2014/main" val="556024359"/>
+                    </a:ext>
+                  </a:extLst>
+                </a:gridCol>
+                <a:gridCol w="1404000">
+                  <a:extLst>
+                    <a:ext uri="{9D8B030D-6E8A-4147-A177-3AD203B41FA5}">
+                      <a16:colId xmlns:a16="http://schemas.microsoft.com/office/drawing/2014/main" val="890695953"/>
+                    </a:ext>
+                  </a:extLst>
+                </a:gridCol>
+                <a:gridCol w="1404000">
+                  <a:extLst>
+                    <a:ext uri="{9D8B030D-6E8A-4147-A177-3AD203B41FA5}">
+                      <a16:colId xmlns:a16="http://schemas.microsoft.com/office/drawing/2014/main" val="2162258664"/>
+                    </a:ext>
+                  </a:extLst>
+                </a:gridCol>
+                <a:gridCol w="1404000">
+                  <a:extLst>
+                    <a:ext uri="{9D8B030D-6E8A-4147-A177-3AD203B41FA5}">
+                      <a16:colId xmlns:a16="http://schemas.microsoft.com/office/drawing/2014/main" val="1160368706"/>
+                    </a:ext>
+                  </a:extLst>
+                </a:gridCol>
+                <a:gridCol w="1404000">
+                  <a:extLst>
+                    <a:ext uri="{9D8B030D-6E8A-4147-A177-3AD203B41FA5}">
+                      <a16:colId xmlns:a16="http://schemas.microsoft.com/office/drawing/2014/main" val="3659458570"/>
+                    </a:ext>
+                  </a:extLst>
+                </a:gridCol>
+              </a:tblGrid>
+              <a:tr h="360000">
+                <a:tc>
+                  <a:txBody>
+                    <a:bodyPr/>
+                    <a:lstStyle/>
+                    <a:p>
+                      <a:r>
+                        <a:rPr lang="en-US" altLang="zh-CN" b="1" dirty="0"/>
+                        <a:t>0</a:t>
+                      </a:r>
+                      <a:endParaRPr lang="zh-CN" altLang="en-US" b="1" dirty="0"/>
+                    </a:p>
+                  </a:txBody>
+                  <a:tcPr anchor="ctr" anchorCtr="1"/>
+                </a:tc>
+                <a:tc>
+                  <a:txBody>
+                    <a:bodyPr/>
+                    <a:lstStyle/>
+                    <a:p>
+                      <a:r>
+                        <a:rPr lang="en-US" altLang="zh-CN" b="1" dirty="0"/>
+                        <a:t>1</a:t>
+                      </a:r>
+                      <a:endParaRPr lang="zh-CN" altLang="en-US" b="1" dirty="0"/>
+                    </a:p>
+                  </a:txBody>
+                  <a:tcPr anchor="ctr" anchorCtr="1"/>
+                </a:tc>
+                <a:tc>
+                  <a:txBody>
+                    <a:bodyPr/>
+                    <a:lstStyle/>
+                    <a:p>
+                      <a:r>
+                        <a:rPr lang="en-US" altLang="zh-CN" b="1" dirty="0"/>
+                        <a:t>2</a:t>
+                      </a:r>
+                      <a:endParaRPr lang="zh-CN" altLang="en-US" b="1" dirty="0"/>
+                    </a:p>
+                  </a:txBody>
+                  <a:tcPr anchor="ctr" anchorCtr="1"/>
+                </a:tc>
+                <a:tc>
+                  <a:txBody>
+                    <a:bodyPr/>
+                    <a:lstStyle/>
+                    <a:p>
+                      <a:r>
+                        <a:rPr lang="en-US" altLang="zh-CN" b="1" dirty="0"/>
+                        <a:t>3</a:t>
+                      </a:r>
+                      <a:endParaRPr lang="zh-CN" altLang="en-US" b="1" dirty="0"/>
+                    </a:p>
+                  </a:txBody>
+                  <a:tcPr anchor="ctr" anchorCtr="1"/>
+                </a:tc>
+                <a:tc>
+                  <a:txBody>
+                    <a:bodyPr/>
+                    <a:lstStyle/>
+                    <a:p>
+                      <a:r>
+                        <a:rPr lang="en-US" altLang="zh-CN" b="1" dirty="0"/>
+                        <a:t>4</a:t>
+                      </a:r>
+                      <a:endParaRPr lang="zh-CN" altLang="en-US" b="1" dirty="0"/>
+                    </a:p>
+                  </a:txBody>
+                  <a:tcPr anchor="ctr" anchorCtr="1"/>
+                </a:tc>
+                <a:extLst>
+                  <a:ext uri="{0D108BD9-81ED-4DB2-BD59-A6C34878D82A}">
+                    <a16:rowId xmlns:a16="http://schemas.microsoft.com/office/drawing/2014/main" val="789040862"/>
+                  </a:ext>
+                </a:extLst>
+              </a:tr>
+              <a:tr h="360000">
+                <a:tc>
+                  <a:txBody>
+                    <a:bodyPr/>
+                    <a:lstStyle/>
+                    <a:p>
+                      <a:r>
+                        <a:rPr lang="en-US" altLang="zh-CN" b="1" dirty="0"/>
+                        <a:t>b</a:t>
+                      </a:r>
+                      <a:endParaRPr lang="zh-CN" altLang="en-US" b="1" dirty="0"/>
+                    </a:p>
+                  </a:txBody>
+                  <a:tcPr anchor="ctr" anchorCtr="1"/>
+                </a:tc>
+                <a:tc>
+                  <a:txBody>
+                    <a:bodyPr/>
+                    <a:lstStyle/>
+                    <a:p>
+                      <a:r>
+                        <a:rPr lang="en-US" altLang="zh-CN" b="1" dirty="0"/>
+                        <a:t>b</a:t>
+                      </a:r>
+                      <a:endParaRPr lang="zh-CN" altLang="en-US" b="1" dirty="0"/>
+                    </a:p>
+                  </a:txBody>
+                  <a:tcPr anchor="ctr" anchorCtr="1"/>
+                </a:tc>
+                <a:tc>
+                  <a:txBody>
+                    <a:bodyPr/>
+                    <a:lstStyle/>
+                    <a:p>
+                      <a:r>
+                        <a:rPr lang="en-US" altLang="zh-CN" b="1" dirty="0"/>
+                        <a:t>b</a:t>
+                      </a:r>
+                      <a:endParaRPr lang="zh-CN" altLang="en-US" b="1" dirty="0"/>
+                    </a:p>
+                  </a:txBody>
+                  <a:tcPr anchor="ctr" anchorCtr="1"/>
+                </a:tc>
+                <a:tc>
+                  <a:txBody>
+                    <a:bodyPr/>
+                    <a:lstStyle/>
+                    <a:p>
+                      <a:r>
+                        <a:rPr lang="en-US" altLang="zh-CN" b="1" dirty="0"/>
+                        <a:t>a</a:t>
+                      </a:r>
+                      <a:endParaRPr lang="zh-CN" altLang="en-US" b="1" dirty="0"/>
+                    </a:p>
+                  </a:txBody>
+                  <a:tcPr anchor="ctr" anchorCtr="1"/>
+                </a:tc>
+                <a:tc>
+                  <a:txBody>
+                    <a:bodyPr/>
+                    <a:lstStyle/>
+                    <a:p>
+                      <a:r>
+                        <a:rPr lang="en-US" altLang="zh-CN" b="1" dirty="0"/>
+                        <a:t>b</a:t>
+                      </a:r>
+                      <a:endParaRPr lang="zh-CN" altLang="en-US" b="1" dirty="0"/>
+                    </a:p>
+                  </a:txBody>
+                  <a:tcPr anchor="ctr" anchorCtr="1"/>
+                </a:tc>
+                <a:extLst>
+                  <a:ext uri="{0D108BD9-81ED-4DB2-BD59-A6C34878D82A}">
+                    <a16:rowId xmlns:a16="http://schemas.microsoft.com/office/drawing/2014/main" val="3346916950"/>
+                  </a:ext>
+                </a:extLst>
+              </a:tr>
+            </a:tbl>
+          </a:graphicData>
+        </a:graphic>
+      </p:graphicFrame>
+      <p:sp>
+        <p:nvSpPr>
+          <p:cNvPr id="8" name="文本框 7">
+            <a:extLst>
+              <a:ext uri="{FF2B5EF4-FFF2-40B4-BE49-F238E27FC236}">
+                <a16:creationId xmlns:a16="http://schemas.microsoft.com/office/drawing/2014/main" id="{FE41CDF3-2355-51FF-6FDF-6CAD97B742C6}"/>
+              </a:ext>
+            </a:extLst>
+          </p:cNvPr>
+          <p:cNvSpPr txBox="1"/>
+          <p:nvPr/>
+        </p:nvSpPr>
+        <p:spPr>
+          <a:xfrm>
+            <a:off x="1580322" y="2928448"/>
+            <a:ext cx="498976" cy="369332"/>
+          </a:xfrm>
+          <a:prstGeom prst="rect">
+            <a:avLst/>
+          </a:prstGeom>
+          <a:noFill/>
+        </p:spPr>
+        <p:txBody>
+          <a:bodyPr wrap="square" rtlCol="0">
+            <a:spAutoFit/>
+          </a:bodyPr>
+          <a:lstStyle/>
+          <a:p>
+            <a:r>
+              <a:rPr lang="en-US" altLang="zh-CN" dirty="0"/>
+              <a:t>s</a:t>
+            </a:r>
+            <a:endParaRPr lang="zh-CN" altLang="en-US" dirty="0"/>
+          </a:p>
+        </p:txBody>
+      </p:sp>
+      <p:cxnSp>
+        <p:nvCxnSpPr>
+          <p:cNvPr id="13" name="直接箭头连接符 12">
+            <a:extLst>
+              <a:ext uri="{FF2B5EF4-FFF2-40B4-BE49-F238E27FC236}">
+                <a16:creationId xmlns:a16="http://schemas.microsoft.com/office/drawing/2014/main" id="{765F443C-5DCD-35E0-EAFB-A6163109BB73}"/>
+              </a:ext>
+            </a:extLst>
+          </p:cNvPr>
+          <p:cNvCxnSpPr>
+            <a:cxnSpLocks/>
+          </p:cNvCxnSpPr>
+          <p:nvPr/>
+        </p:nvCxnSpPr>
+        <p:spPr>
+          <a:xfrm flipV="1">
+            <a:off x="7323863" y="3415065"/>
+            <a:ext cx="0" cy="506214"/>
+          </a:xfrm>
+          <a:prstGeom prst="straightConnector1">
+            <a:avLst/>
+          </a:prstGeom>
+          <a:ln w="73025">
+            <a:tailEnd type="triangle"/>
+          </a:ln>
+        </p:spPr>
+        <p:style>
+          <a:lnRef idx="1">
+            <a:schemeClr val="accent1"/>
+          </a:lnRef>
+          <a:fillRef idx="0">
+            <a:schemeClr val="accent1"/>
+          </a:fillRef>
+          <a:effectRef idx="0">
+            <a:schemeClr val="accent1"/>
+          </a:effectRef>
+          <a:fontRef idx="minor">
+            <a:schemeClr val="tx1"/>
+          </a:fontRef>
+        </p:style>
+      </p:cxnSp>
+      <p:sp>
+        <p:nvSpPr>
+          <p:cNvPr id="18" name="文本框 17">
+            <a:extLst>
+              <a:ext uri="{FF2B5EF4-FFF2-40B4-BE49-F238E27FC236}">
+                <a16:creationId xmlns:a16="http://schemas.microsoft.com/office/drawing/2014/main" id="{C46FB775-7FF1-E0BC-8BB7-470C67B45127}"/>
+              </a:ext>
+            </a:extLst>
+          </p:cNvPr>
+          <p:cNvSpPr txBox="1"/>
+          <p:nvPr/>
+        </p:nvSpPr>
+        <p:spPr>
+          <a:xfrm>
+            <a:off x="6708315" y="3632764"/>
+            <a:ext cx="636713" cy="369332"/>
+          </a:xfrm>
+          <a:prstGeom prst="rect">
+            <a:avLst/>
+          </a:prstGeom>
+          <a:noFill/>
+        </p:spPr>
+        <p:txBody>
+          <a:bodyPr wrap="none" rtlCol="0">
+            <a:spAutoFit/>
+          </a:bodyPr>
+          <a:lstStyle/>
+          <a:p>
+            <a:r>
+              <a:rPr lang="en-US" altLang="zh-CN" dirty="0"/>
+              <a:t>j = 3</a:t>
+            </a:r>
+            <a:endParaRPr lang="zh-CN" altLang="en-US" dirty="0"/>
+          </a:p>
+        </p:txBody>
+      </p:sp>
+      <p:sp>
+        <p:nvSpPr>
+          <p:cNvPr id="28" name="文本框 27">
+            <a:extLst>
+              <a:ext uri="{FF2B5EF4-FFF2-40B4-BE49-F238E27FC236}">
+                <a16:creationId xmlns:a16="http://schemas.microsoft.com/office/drawing/2014/main" id="{69C5D9E0-02DD-8023-51F8-981603C9EB7C}"/>
+              </a:ext>
+            </a:extLst>
+          </p:cNvPr>
+          <p:cNvSpPr txBox="1"/>
+          <p:nvPr/>
+        </p:nvSpPr>
+        <p:spPr>
+          <a:xfrm>
+            <a:off x="2494960" y="2032480"/>
+            <a:ext cx="1231427" cy="369332"/>
+          </a:xfrm>
+          <a:prstGeom prst="rect">
+            <a:avLst/>
+          </a:prstGeom>
+          <a:noFill/>
+        </p:spPr>
+        <p:txBody>
+          <a:bodyPr wrap="none" rtlCol="0">
+            <a:spAutoFit/>
+          </a:bodyPr>
+          <a:lstStyle/>
+          <a:p>
+            <a:r>
+              <a:rPr lang="en-US" altLang="zh-CN" dirty="0"/>
+              <a:t>s[1] != s[3]</a:t>
+            </a:r>
+            <a:endParaRPr lang="zh-CN" altLang="en-US" dirty="0"/>
+          </a:p>
+        </p:txBody>
+      </p:sp>
+      <p:cxnSp>
+        <p:nvCxnSpPr>
+          <p:cNvPr id="2" name="直接箭头连接符 1">
+            <a:extLst>
+              <a:ext uri="{FF2B5EF4-FFF2-40B4-BE49-F238E27FC236}">
+                <a16:creationId xmlns:a16="http://schemas.microsoft.com/office/drawing/2014/main" id="{0BBA1A57-D22A-5553-3554-A4E141D4FB51}"/>
+              </a:ext>
+            </a:extLst>
+          </p:cNvPr>
+          <p:cNvCxnSpPr>
+            <a:cxnSpLocks/>
+          </p:cNvCxnSpPr>
+          <p:nvPr/>
+        </p:nvCxnSpPr>
+        <p:spPr>
+          <a:xfrm flipV="1">
+            <a:off x="4484603" y="3348807"/>
+            <a:ext cx="0" cy="506214"/>
+          </a:xfrm>
+          <a:prstGeom prst="straightConnector1">
+            <a:avLst/>
+          </a:prstGeom>
+          <a:ln w="73025">
+            <a:tailEnd type="triangle"/>
+          </a:ln>
+        </p:spPr>
+        <p:style>
+          <a:lnRef idx="1">
+            <a:schemeClr val="accent1"/>
+          </a:lnRef>
+          <a:fillRef idx="0">
+            <a:schemeClr val="accent1"/>
+          </a:fillRef>
+          <a:effectRef idx="0">
+            <a:schemeClr val="accent1"/>
+          </a:effectRef>
+          <a:fontRef idx="minor">
+            <a:schemeClr val="tx1"/>
+          </a:fontRef>
+        </p:style>
+      </p:cxnSp>
+      <p:sp>
+        <p:nvSpPr>
+          <p:cNvPr id="3" name="文本框 2">
+            <a:extLst>
+              <a:ext uri="{FF2B5EF4-FFF2-40B4-BE49-F238E27FC236}">
+                <a16:creationId xmlns:a16="http://schemas.microsoft.com/office/drawing/2014/main" id="{F59E469F-A332-6097-BA41-637C6A38700C}"/>
+              </a:ext>
+            </a:extLst>
+          </p:cNvPr>
+          <p:cNvSpPr txBox="1"/>
+          <p:nvPr/>
+        </p:nvSpPr>
+        <p:spPr>
+          <a:xfrm>
+            <a:off x="3869055" y="3566506"/>
+            <a:ext cx="636713" cy="369332"/>
+          </a:xfrm>
+          <a:prstGeom prst="rect">
+            <a:avLst/>
+          </a:prstGeom>
+          <a:noFill/>
+        </p:spPr>
+        <p:txBody>
+          <a:bodyPr wrap="none" rtlCol="0">
+            <a:spAutoFit/>
+          </a:bodyPr>
+          <a:lstStyle/>
+          <a:p>
+            <a:r>
+              <a:rPr lang="en-US" altLang="zh-CN" dirty="0"/>
+              <a:t>i = 1</a:t>
+            </a:r>
+            <a:endParaRPr lang="zh-CN" altLang="en-US" dirty="0"/>
+          </a:p>
+        </p:txBody>
+      </p:sp>
+    </p:spTree>
+    <p:extLst>
+      <p:ext uri="{BB962C8B-B14F-4D97-AF65-F5344CB8AC3E}">
+        <p14:creationId xmlns:p14="http://schemas.microsoft.com/office/powerpoint/2010/main" val="3874436276"/>
+      </p:ext>
+    </p:extLst>
+  </p:cSld>
+  <p:clrMapOvr>
+    <a:masterClrMapping/>
+  </p:clrMapOvr>
+</p:sld>
+</file>
+
+<file path=ppt/slides/slide9.xml><?xml version="1.0" encoding="utf-8"?>
+<p:sld xmlns:a="http://schemas.openxmlformats.org/drawingml/2006/main" xmlns:r="http://schemas.openxmlformats.org/officeDocument/2006/relationships" xmlns:p="http://schemas.openxmlformats.org/presentationml/2006/main">
+  <p:cSld>
+    <p:spTree>
+      <p:nvGrpSpPr>
+        <p:cNvPr id="1" name=""/>
+        <p:cNvGrpSpPr/>
+        <p:nvPr/>
+      </p:nvGrpSpPr>
+      <p:grpSpPr>
+        <a:xfrm>
+          <a:off x="0" y="0"/>
+          <a:ext cx="0" cy="0"/>
+          <a:chOff x="0" y="0"/>
+          <a:chExt cx="0" cy="0"/>
+        </a:xfrm>
+      </p:grpSpPr>
+      <p:graphicFrame>
+        <p:nvGraphicFramePr>
+          <p:cNvPr id="6" name="表格 6">
+            <a:extLst>
+              <a:ext uri="{FF2B5EF4-FFF2-40B4-BE49-F238E27FC236}">
+                <a16:creationId xmlns:a16="http://schemas.microsoft.com/office/drawing/2014/main" id="{8E0CD376-1166-739C-0E27-68CA0BE872C9}"/>
+              </a:ext>
+            </a:extLst>
+          </p:cNvPr>
+          <p:cNvGraphicFramePr>
+            <a:graphicFrameLocks noGrp="1"/>
+          </p:cNvGraphicFramePr>
+          <p:nvPr/>
+        </p:nvGraphicFramePr>
+        <p:xfrm>
+          <a:off x="2396052" y="2566260"/>
+          <a:ext cx="7020000" cy="731520"/>
+        </p:xfrm>
+        <a:graphic>
+          <a:graphicData uri="http://schemas.openxmlformats.org/drawingml/2006/table">
+            <a:tbl>
+              <a:tblPr firstRow="1" bandRow="1">
+                <a:tableStyleId>{5940675A-B579-460E-94D1-54222C63F5DA}</a:tableStyleId>
+              </a:tblPr>
+              <a:tblGrid>
+                <a:gridCol w="1404000">
+                  <a:extLst>
+                    <a:ext uri="{9D8B030D-6E8A-4147-A177-3AD203B41FA5}">
+                      <a16:colId xmlns:a16="http://schemas.microsoft.com/office/drawing/2014/main" val="556024359"/>
+                    </a:ext>
+                  </a:extLst>
+                </a:gridCol>
+                <a:gridCol w="1404000">
+                  <a:extLst>
+                    <a:ext uri="{9D8B030D-6E8A-4147-A177-3AD203B41FA5}">
+                      <a16:colId xmlns:a16="http://schemas.microsoft.com/office/drawing/2014/main" val="890695953"/>
+                    </a:ext>
+                  </a:extLst>
+                </a:gridCol>
+                <a:gridCol w="1404000">
+                  <a:extLst>
+                    <a:ext uri="{9D8B030D-6E8A-4147-A177-3AD203B41FA5}">
+                      <a16:colId xmlns:a16="http://schemas.microsoft.com/office/drawing/2014/main" val="2162258664"/>
+                    </a:ext>
+                  </a:extLst>
+                </a:gridCol>
+                <a:gridCol w="1404000">
+                  <a:extLst>
+                    <a:ext uri="{9D8B030D-6E8A-4147-A177-3AD203B41FA5}">
+                      <a16:colId xmlns:a16="http://schemas.microsoft.com/office/drawing/2014/main" val="1160368706"/>
+                    </a:ext>
+                  </a:extLst>
+                </a:gridCol>
+                <a:gridCol w="1404000">
+                  <a:extLst>
+                    <a:ext uri="{9D8B030D-6E8A-4147-A177-3AD203B41FA5}">
+                      <a16:colId xmlns:a16="http://schemas.microsoft.com/office/drawing/2014/main" val="3659458570"/>
+                    </a:ext>
+                  </a:extLst>
+                </a:gridCol>
+              </a:tblGrid>
+              <a:tr h="360000">
+                <a:tc>
+                  <a:txBody>
+                    <a:bodyPr/>
+                    <a:lstStyle/>
+                    <a:p>
+                      <a:r>
+                        <a:rPr lang="en-US" altLang="zh-CN" b="1" dirty="0"/>
+                        <a:t>0</a:t>
+                      </a:r>
+                      <a:endParaRPr lang="zh-CN" altLang="en-US" b="1" dirty="0"/>
+                    </a:p>
+                  </a:txBody>
+                  <a:tcPr anchor="ctr" anchorCtr="1"/>
+                </a:tc>
+                <a:tc>
+                  <a:txBody>
+                    <a:bodyPr/>
+                    <a:lstStyle/>
+                    <a:p>
+                      <a:r>
+                        <a:rPr lang="en-US" altLang="zh-CN" b="1" dirty="0"/>
+                        <a:t>1</a:t>
+                      </a:r>
+                      <a:endParaRPr lang="zh-CN" altLang="en-US" b="1" dirty="0"/>
+                    </a:p>
+                  </a:txBody>
+                  <a:tcPr anchor="ctr" anchorCtr="1"/>
+                </a:tc>
+                <a:tc>
+                  <a:txBody>
+                    <a:bodyPr/>
+                    <a:lstStyle/>
+                    <a:p>
+                      <a:r>
+                        <a:rPr lang="en-US" altLang="zh-CN" b="1" dirty="0"/>
+                        <a:t>2</a:t>
+                      </a:r>
+                      <a:endParaRPr lang="zh-CN" altLang="en-US" b="1" dirty="0"/>
+                    </a:p>
+                  </a:txBody>
+                  <a:tcPr anchor="ctr" anchorCtr="1"/>
+                </a:tc>
+                <a:tc>
+                  <a:txBody>
+                    <a:bodyPr/>
+                    <a:lstStyle/>
+                    <a:p>
+                      <a:r>
+                        <a:rPr lang="en-US" altLang="zh-CN" b="1" dirty="0"/>
+                        <a:t>3</a:t>
+                      </a:r>
+                      <a:endParaRPr lang="zh-CN" altLang="en-US" b="1" dirty="0"/>
+                    </a:p>
+                  </a:txBody>
+                  <a:tcPr anchor="ctr" anchorCtr="1"/>
+                </a:tc>
+                <a:tc>
+                  <a:txBody>
+                    <a:bodyPr/>
+                    <a:lstStyle/>
+                    <a:p>
+                      <a:r>
+                        <a:rPr lang="en-US" altLang="zh-CN" b="1" dirty="0"/>
+                        <a:t>4</a:t>
+                      </a:r>
+                      <a:endParaRPr lang="zh-CN" altLang="en-US" b="1" dirty="0"/>
+                    </a:p>
+                  </a:txBody>
+                  <a:tcPr anchor="ctr" anchorCtr="1"/>
+                </a:tc>
+                <a:extLst>
+                  <a:ext uri="{0D108BD9-81ED-4DB2-BD59-A6C34878D82A}">
+                    <a16:rowId xmlns:a16="http://schemas.microsoft.com/office/drawing/2014/main" val="789040862"/>
+                  </a:ext>
+                </a:extLst>
+              </a:tr>
+              <a:tr h="360000">
+                <a:tc>
+                  <a:txBody>
+                    <a:bodyPr/>
+                    <a:lstStyle/>
+                    <a:p>
+                      <a:r>
+                        <a:rPr lang="en-US" altLang="zh-CN" b="1" dirty="0"/>
+                        <a:t>b</a:t>
+                      </a:r>
+                      <a:endParaRPr lang="zh-CN" altLang="en-US" b="1" dirty="0"/>
+                    </a:p>
+                  </a:txBody>
+                  <a:tcPr anchor="ctr" anchorCtr="1"/>
+                </a:tc>
+                <a:tc>
+                  <a:txBody>
+                    <a:bodyPr/>
+                    <a:lstStyle/>
+                    <a:p>
+                      <a:r>
+                        <a:rPr lang="en-US" altLang="zh-CN" b="1" dirty="0"/>
+                        <a:t>b</a:t>
+                      </a:r>
+                      <a:endParaRPr lang="zh-CN" altLang="en-US" b="1" dirty="0"/>
+                    </a:p>
+                  </a:txBody>
+                  <a:tcPr anchor="ctr" anchorCtr="1"/>
+                </a:tc>
+                <a:tc>
+                  <a:txBody>
+                    <a:bodyPr/>
+                    <a:lstStyle/>
+                    <a:p>
+                      <a:r>
+                        <a:rPr lang="en-US" altLang="zh-CN" b="1" dirty="0"/>
+                        <a:t>b</a:t>
+                      </a:r>
+                      <a:endParaRPr lang="zh-CN" altLang="en-US" b="1" dirty="0"/>
+                    </a:p>
+                  </a:txBody>
+                  <a:tcPr anchor="ctr" anchorCtr="1"/>
+                </a:tc>
+                <a:tc>
+                  <a:txBody>
+                    <a:bodyPr/>
+                    <a:lstStyle/>
+                    <a:p>
+                      <a:r>
+                        <a:rPr lang="en-US" altLang="zh-CN" b="1" dirty="0"/>
+                        <a:t>a</a:t>
+                      </a:r>
+                      <a:endParaRPr lang="zh-CN" altLang="en-US" b="1" dirty="0"/>
+                    </a:p>
+                  </a:txBody>
+                  <a:tcPr anchor="ctr" anchorCtr="1"/>
+                </a:tc>
+                <a:tc>
+                  <a:txBody>
+                    <a:bodyPr/>
+                    <a:lstStyle/>
+                    <a:p>
+                      <a:r>
+                        <a:rPr lang="en-US" altLang="zh-CN" b="1" dirty="0"/>
+                        <a:t>b</a:t>
+                      </a:r>
+                      <a:endParaRPr lang="zh-CN" altLang="en-US" b="1" dirty="0"/>
+                    </a:p>
+                  </a:txBody>
+                  <a:tcPr anchor="ctr" anchorCtr="1"/>
+                </a:tc>
+                <a:extLst>
+                  <a:ext uri="{0D108BD9-81ED-4DB2-BD59-A6C34878D82A}">
+                    <a16:rowId xmlns:a16="http://schemas.microsoft.com/office/drawing/2014/main" val="3346916950"/>
+                  </a:ext>
+                </a:extLst>
+              </a:tr>
+            </a:tbl>
+          </a:graphicData>
+        </a:graphic>
+      </p:graphicFrame>
+      <p:sp>
+        <p:nvSpPr>
+          <p:cNvPr id="8" name="文本框 7">
+            <a:extLst>
+              <a:ext uri="{FF2B5EF4-FFF2-40B4-BE49-F238E27FC236}">
+                <a16:creationId xmlns:a16="http://schemas.microsoft.com/office/drawing/2014/main" id="{FE41CDF3-2355-51FF-6FDF-6CAD97B742C6}"/>
+              </a:ext>
+            </a:extLst>
+          </p:cNvPr>
+          <p:cNvSpPr txBox="1"/>
+          <p:nvPr/>
+        </p:nvSpPr>
+        <p:spPr>
+          <a:xfrm>
+            <a:off x="1580322" y="2928448"/>
+            <a:ext cx="498976" cy="369332"/>
+          </a:xfrm>
+          <a:prstGeom prst="rect">
+            <a:avLst/>
+          </a:prstGeom>
+          <a:noFill/>
+        </p:spPr>
+        <p:txBody>
+          <a:bodyPr wrap="square" rtlCol="0">
+            <a:spAutoFit/>
+          </a:bodyPr>
+          <a:lstStyle/>
+          <a:p>
+            <a:r>
+              <a:rPr lang="en-US" altLang="zh-CN" dirty="0"/>
+              <a:t>s</a:t>
+            </a:r>
+            <a:endParaRPr lang="zh-CN" altLang="en-US" dirty="0"/>
+          </a:p>
+        </p:txBody>
+      </p:sp>
+      <p:cxnSp>
+        <p:nvCxnSpPr>
+          <p:cNvPr id="13" name="直接箭头连接符 12">
+            <a:extLst>
+              <a:ext uri="{FF2B5EF4-FFF2-40B4-BE49-F238E27FC236}">
+                <a16:creationId xmlns:a16="http://schemas.microsoft.com/office/drawing/2014/main" id="{765F443C-5DCD-35E0-EAFB-A6163109BB73}"/>
+              </a:ext>
+            </a:extLst>
+          </p:cNvPr>
+          <p:cNvCxnSpPr>
+            <a:cxnSpLocks/>
+          </p:cNvCxnSpPr>
+          <p:nvPr/>
+        </p:nvCxnSpPr>
+        <p:spPr>
+          <a:xfrm flipV="1">
+            <a:off x="5892629" y="3415065"/>
+            <a:ext cx="0" cy="506214"/>
+          </a:xfrm>
+          <a:prstGeom prst="straightConnector1">
+            <a:avLst/>
+          </a:prstGeom>
+          <a:ln w="73025">
+            <a:tailEnd type="triangle"/>
+          </a:ln>
+        </p:spPr>
+        <p:style>
+          <a:lnRef idx="1">
+            <a:schemeClr val="accent1"/>
+          </a:lnRef>
+          <a:fillRef idx="0">
+            <a:schemeClr val="accent1"/>
+          </a:fillRef>
+          <a:effectRef idx="0">
+            <a:schemeClr val="accent1"/>
+          </a:effectRef>
+          <a:fontRef idx="minor">
+            <a:schemeClr val="tx1"/>
+          </a:fontRef>
+        </p:style>
+      </p:cxnSp>
+      <p:sp>
+        <p:nvSpPr>
+          <p:cNvPr id="18" name="文本框 17">
+            <a:extLst>
+              <a:ext uri="{FF2B5EF4-FFF2-40B4-BE49-F238E27FC236}">
+                <a16:creationId xmlns:a16="http://schemas.microsoft.com/office/drawing/2014/main" id="{C46FB775-7FF1-E0BC-8BB7-470C67B45127}"/>
+              </a:ext>
+            </a:extLst>
+          </p:cNvPr>
+          <p:cNvSpPr txBox="1"/>
+          <p:nvPr/>
+        </p:nvSpPr>
+        <p:spPr>
+          <a:xfrm>
+            <a:off x="5277081" y="3632764"/>
+            <a:ext cx="636713" cy="369332"/>
+          </a:xfrm>
+          <a:prstGeom prst="rect">
+            <a:avLst/>
+          </a:prstGeom>
+          <a:noFill/>
+        </p:spPr>
+        <p:txBody>
+          <a:bodyPr wrap="none" rtlCol="0">
+            <a:spAutoFit/>
+          </a:bodyPr>
+          <a:lstStyle/>
+          <a:p>
+            <a:r>
+              <a:rPr lang="en-US" altLang="zh-CN" dirty="0"/>
+              <a:t>j = 2</a:t>
+            </a:r>
+            <a:endParaRPr lang="zh-CN" altLang="en-US" dirty="0"/>
+          </a:p>
+        </p:txBody>
+      </p:sp>
+      <p:sp>
+        <p:nvSpPr>
+          <p:cNvPr id="28" name="文本框 27">
+            <a:extLst>
+              <a:ext uri="{FF2B5EF4-FFF2-40B4-BE49-F238E27FC236}">
+                <a16:creationId xmlns:a16="http://schemas.microsoft.com/office/drawing/2014/main" id="{69C5D9E0-02DD-8023-51F8-981603C9EB7C}"/>
+              </a:ext>
+            </a:extLst>
+          </p:cNvPr>
+          <p:cNvSpPr txBox="1"/>
+          <p:nvPr/>
+        </p:nvSpPr>
+        <p:spPr>
+          <a:xfrm>
+            <a:off x="2494960" y="2032480"/>
+            <a:ext cx="1319592" cy="369332"/>
+          </a:xfrm>
+          <a:prstGeom prst="rect">
+            <a:avLst/>
+          </a:prstGeom>
+          <a:noFill/>
+        </p:spPr>
+        <p:txBody>
+          <a:bodyPr wrap="none" rtlCol="0">
+            <a:spAutoFit/>
+          </a:bodyPr>
+          <a:lstStyle/>
+          <a:p>
+            <a:r>
+              <a:rPr lang="en-US" altLang="zh-CN" dirty="0"/>
+              <a:t>s[1] == s[2]</a:t>
+            </a:r>
+            <a:endParaRPr lang="zh-CN" altLang="en-US" dirty="0"/>
+          </a:p>
+        </p:txBody>
+      </p:sp>
+      <p:cxnSp>
+        <p:nvCxnSpPr>
+          <p:cNvPr id="2" name="直接箭头连接符 1">
+            <a:extLst>
+              <a:ext uri="{FF2B5EF4-FFF2-40B4-BE49-F238E27FC236}">
+                <a16:creationId xmlns:a16="http://schemas.microsoft.com/office/drawing/2014/main" id="{0BBA1A57-D22A-5553-3554-A4E141D4FB51}"/>
+              </a:ext>
+            </a:extLst>
+          </p:cNvPr>
+          <p:cNvCxnSpPr>
+            <a:cxnSpLocks/>
+          </p:cNvCxnSpPr>
+          <p:nvPr/>
+        </p:nvCxnSpPr>
+        <p:spPr>
+          <a:xfrm flipV="1">
+            <a:off x="4484603" y="3348807"/>
+            <a:ext cx="0" cy="506214"/>
+          </a:xfrm>
+          <a:prstGeom prst="straightConnector1">
+            <a:avLst/>
+          </a:prstGeom>
+          <a:ln w="73025">
+            <a:tailEnd type="triangle"/>
+          </a:ln>
+        </p:spPr>
+        <p:style>
+          <a:lnRef idx="1">
+            <a:schemeClr val="accent1"/>
+          </a:lnRef>
+          <a:fillRef idx="0">
+            <a:schemeClr val="accent1"/>
+          </a:fillRef>
+          <a:effectRef idx="0">
+            <a:schemeClr val="accent1"/>
+          </a:effectRef>
+          <a:fontRef idx="minor">
+            <a:schemeClr val="tx1"/>
+          </a:fontRef>
+        </p:style>
+      </p:cxnSp>
+      <p:sp>
+        <p:nvSpPr>
+          <p:cNvPr id="3" name="文本框 2">
+            <a:extLst>
+              <a:ext uri="{FF2B5EF4-FFF2-40B4-BE49-F238E27FC236}">
+                <a16:creationId xmlns:a16="http://schemas.microsoft.com/office/drawing/2014/main" id="{F59E469F-A332-6097-BA41-637C6A38700C}"/>
+              </a:ext>
+            </a:extLst>
+          </p:cNvPr>
+          <p:cNvSpPr txBox="1"/>
+          <p:nvPr/>
+        </p:nvSpPr>
+        <p:spPr>
+          <a:xfrm>
+            <a:off x="3869055" y="3566506"/>
+            <a:ext cx="636713" cy="369332"/>
+          </a:xfrm>
+          <a:prstGeom prst="rect">
+            <a:avLst/>
+          </a:prstGeom>
+          <a:noFill/>
+        </p:spPr>
+        <p:txBody>
+          <a:bodyPr wrap="none" rtlCol="0">
+            <a:spAutoFit/>
+          </a:bodyPr>
+          <a:lstStyle/>
+          <a:p>
+            <a:r>
+              <a:rPr lang="en-US" altLang="zh-CN" dirty="0"/>
+              <a:t>i = 1</a:t>
+            </a:r>
+            <a:endParaRPr lang="zh-CN" altLang="en-US" dirty="0"/>
+          </a:p>
+        </p:txBody>
+      </p:sp>
+    </p:spTree>
+    <p:extLst>
+      <p:ext uri="{BB962C8B-B14F-4D97-AF65-F5344CB8AC3E}">
+        <p14:creationId xmlns:p14="http://schemas.microsoft.com/office/powerpoint/2010/main" val="4008196914"/>
       </p:ext>
     </p:extLst>
   </p:cSld>
